--- a/lecture-slides_upload/lab-activity/11-rep-measures-lab.pptx
+++ b/lecture-slides_upload/lab-activity/11-rep-measures-lab.pptx
@@ -6,16 +6,15 @@
   </p:sldMasterIdLst>
   <p:sldIdLst>
     <p:sldId id="256" r:id="rId2"/>
-    <p:sldId id="269" r:id="rId3"/>
-    <p:sldId id="263" r:id="rId4"/>
-    <p:sldId id="267" r:id="rId5"/>
-    <p:sldId id="257" r:id="rId6"/>
-    <p:sldId id="270" r:id="rId7"/>
-    <p:sldId id="268" r:id="rId8"/>
-    <p:sldId id="260" r:id="rId9"/>
-    <p:sldId id="261" r:id="rId10"/>
-    <p:sldId id="262" r:id="rId11"/>
-    <p:sldId id="264" r:id="rId12"/>
+    <p:sldId id="263" r:id="rId3"/>
+    <p:sldId id="267" r:id="rId4"/>
+    <p:sldId id="257" r:id="rId5"/>
+    <p:sldId id="270" r:id="rId6"/>
+    <p:sldId id="268" r:id="rId7"/>
+    <p:sldId id="260" r:id="rId8"/>
+    <p:sldId id="261" r:id="rId9"/>
+    <p:sldId id="262" r:id="rId10"/>
+    <p:sldId id="264" r:id="rId11"/>
   </p:sldIdLst>
   <p:sldSz cx="12192000" cy="6858000"/>
   <p:notesSz cx="6858000" cy="9144000"/>
@@ -269,7 +268,7 @@
           <a:p>
             <a:fld id="{569BCA8D-8583-A540-BB1D-E2FA4B9A1EB3}" type="datetimeFigureOut">
               <a:rPr lang="en-US" smtClean="0"/>
-              <a:t>11/17/22</a:t>
+              <a:t>4/4/24</a:t>
             </a:fld>
             <a:endParaRPr lang="en-US"/>
           </a:p>
@@ -467,7 +466,7 @@
           <a:p>
             <a:fld id="{569BCA8D-8583-A540-BB1D-E2FA4B9A1EB3}" type="datetimeFigureOut">
               <a:rPr lang="en-US" smtClean="0"/>
-              <a:t>11/17/22</a:t>
+              <a:t>4/4/24</a:t>
             </a:fld>
             <a:endParaRPr lang="en-US"/>
           </a:p>
@@ -675,7 +674,7 @@
           <a:p>
             <a:fld id="{569BCA8D-8583-A540-BB1D-E2FA4B9A1EB3}" type="datetimeFigureOut">
               <a:rPr lang="en-US" smtClean="0"/>
-              <a:t>11/17/22</a:t>
+              <a:t>4/4/24</a:t>
             </a:fld>
             <a:endParaRPr lang="en-US"/>
           </a:p>
@@ -873,7 +872,7 @@
           <a:p>
             <a:fld id="{569BCA8D-8583-A540-BB1D-E2FA4B9A1EB3}" type="datetimeFigureOut">
               <a:rPr lang="en-US" smtClean="0"/>
-              <a:t>11/17/22</a:t>
+              <a:t>4/4/24</a:t>
             </a:fld>
             <a:endParaRPr lang="en-US"/>
           </a:p>
@@ -1148,7 +1147,7 @@
           <a:p>
             <a:fld id="{569BCA8D-8583-A540-BB1D-E2FA4B9A1EB3}" type="datetimeFigureOut">
               <a:rPr lang="en-US" smtClean="0"/>
-              <a:t>11/17/22</a:t>
+              <a:t>4/4/24</a:t>
             </a:fld>
             <a:endParaRPr lang="en-US"/>
           </a:p>
@@ -1413,7 +1412,7 @@
           <a:p>
             <a:fld id="{569BCA8D-8583-A540-BB1D-E2FA4B9A1EB3}" type="datetimeFigureOut">
               <a:rPr lang="en-US" smtClean="0"/>
-              <a:t>11/17/22</a:t>
+              <a:t>4/4/24</a:t>
             </a:fld>
             <a:endParaRPr lang="en-US"/>
           </a:p>
@@ -1825,7 +1824,7 @@
           <a:p>
             <a:fld id="{569BCA8D-8583-A540-BB1D-E2FA4B9A1EB3}" type="datetimeFigureOut">
               <a:rPr lang="en-US" smtClean="0"/>
-              <a:t>11/17/22</a:t>
+              <a:t>4/4/24</a:t>
             </a:fld>
             <a:endParaRPr lang="en-US"/>
           </a:p>
@@ -1966,7 +1965,7 @@
           <a:p>
             <a:fld id="{569BCA8D-8583-A540-BB1D-E2FA4B9A1EB3}" type="datetimeFigureOut">
               <a:rPr lang="en-US" smtClean="0"/>
-              <a:t>11/17/22</a:t>
+              <a:t>4/4/24</a:t>
             </a:fld>
             <a:endParaRPr lang="en-US"/>
           </a:p>
@@ -2079,7 +2078,7 @@
           <a:p>
             <a:fld id="{569BCA8D-8583-A540-BB1D-E2FA4B9A1EB3}" type="datetimeFigureOut">
               <a:rPr lang="en-US" smtClean="0"/>
-              <a:t>11/17/22</a:t>
+              <a:t>4/4/24</a:t>
             </a:fld>
             <a:endParaRPr lang="en-US"/>
           </a:p>
@@ -2390,7 +2389,7 @@
           <a:p>
             <a:fld id="{569BCA8D-8583-A540-BB1D-E2FA4B9A1EB3}" type="datetimeFigureOut">
               <a:rPr lang="en-US" smtClean="0"/>
-              <a:t>11/17/22</a:t>
+              <a:t>4/4/24</a:t>
             </a:fld>
             <a:endParaRPr lang="en-US"/>
           </a:p>
@@ -2678,7 +2677,7 @@
           <a:p>
             <a:fld id="{569BCA8D-8583-A540-BB1D-E2FA4B9A1EB3}" type="datetimeFigureOut">
               <a:rPr lang="en-US" smtClean="0"/>
-              <a:t>11/17/22</a:t>
+              <a:t>4/4/24</a:t>
             </a:fld>
             <a:endParaRPr lang="en-US"/>
           </a:p>
@@ -2919,7 +2918,7 @@
           <a:p>
             <a:fld id="{569BCA8D-8583-A540-BB1D-E2FA4B9A1EB3}" type="datetimeFigureOut">
               <a:rPr lang="en-US" smtClean="0"/>
-              <a:t>11/17/22</a:t>
+              <a:t>4/4/24</a:t>
             </a:fld>
             <a:endParaRPr lang="en-US"/>
           </a:p>
@@ -3387,19 +3386,24 @@
           <a:p>
             <a:r>
               <a:rPr lang="en-US" dirty="0"/>
-              <a:t>Jamil Bhanji &amp; Vanessa </a:t>
+              <a:t>Jamil </a:t>
             </a:r>
             <a:r>
               <a:rPr lang="en-US" dirty="0" err="1"/>
-              <a:t>Lobue</a:t>
+              <a:t>Bhanji</a:t>
             </a:r>
             <a:endParaRPr lang="en-US" dirty="0"/>
           </a:p>
           <a:p>
             <a:r>
-              <a:rPr lang="en-US" dirty="0"/>
-              <a:t>Nov 17 2022</a:t>
-            </a:r>
+              <a:rPr lang="en-US" dirty="0" err="1"/>
+              <a:t>Spr</a:t>
+            </a:r>
+            <a:r>
+              <a:rPr lang="en-US"/>
+              <a:t> 2024</a:t>
+            </a:r>
+            <a:endParaRPr lang="en-US" dirty="0"/>
           </a:p>
         </p:txBody>
       </p:sp>
@@ -3438,152 +3442,6 @@
           <p:cNvPr id="2" name="Title 1">
             <a:extLst>
               <a:ext uri="{FF2B5EF4-FFF2-40B4-BE49-F238E27FC236}">
-                <a16:creationId xmlns:a16="http://schemas.microsoft.com/office/drawing/2014/main" id="{0D4594BE-9849-3D49-A711-67341AA67DD7}"/>
-              </a:ext>
-            </a:extLst>
-          </p:cNvPr>
-          <p:cNvSpPr>
-            <a:spLocks noGrp="1"/>
-          </p:cNvSpPr>
-          <p:nvPr>
-            <p:ph type="title"/>
-          </p:nvPr>
-        </p:nvSpPr>
-        <p:spPr>
-          <a:xfrm>
-            <a:off x="643467" y="321734"/>
-            <a:ext cx="10905066" cy="1135737"/>
-          </a:xfrm>
-        </p:spPr>
-        <p:txBody>
-          <a:bodyPr vert="horz" lIns="91440" tIns="45720" rIns="91440" bIns="45720" rtlCol="0">
-            <a:normAutofit/>
-          </a:bodyPr>
-          <a:lstStyle/>
-          <a:p>
-            <a:r>
-              <a:rPr lang="en-US" sz="3600" kern="1200" dirty="0">
-                <a:latin typeface="+mj-lt"/>
-                <a:ea typeface="+mj-ea"/>
-                <a:cs typeface="+mj-cs"/>
-              </a:rPr>
-              <a:t>Univariate GLM in SPSS – EM means &amp; simple effects</a:t>
-            </a:r>
-          </a:p>
-        </p:txBody>
-      </p:sp>
-      <p:sp>
-        <p:nvSpPr>
-          <p:cNvPr id="17" name="Content Placeholder 16">
-            <a:extLst>
-              <a:ext uri="{FF2B5EF4-FFF2-40B4-BE49-F238E27FC236}">
-                <a16:creationId xmlns:a16="http://schemas.microsoft.com/office/drawing/2014/main" id="{A8193FEB-E814-4257-9F20-DA4770A84FDB}"/>
-              </a:ext>
-            </a:extLst>
-          </p:cNvPr>
-          <p:cNvSpPr>
-            <a:spLocks noGrp="1"/>
-          </p:cNvSpPr>
-          <p:nvPr>
-            <p:ph idx="1"/>
-          </p:nvPr>
-        </p:nvSpPr>
-        <p:spPr>
-          <a:xfrm>
-            <a:off x="643469" y="1782981"/>
-            <a:ext cx="3285064" cy="4393982"/>
-          </a:xfrm>
-        </p:spPr>
-        <p:txBody>
-          <a:bodyPr>
-            <a:normAutofit/>
-          </a:bodyPr>
-          <a:lstStyle/>
-          <a:p>
-            <a:r>
-              <a:rPr lang="en-US" sz="1900" dirty="0"/>
-              <a:t>use the “EM Means” button to get estimated marginal means (w conf intervals)</a:t>
-            </a:r>
-          </a:p>
-          <a:p>
-            <a:r>
-              <a:rPr lang="en-US" sz="1900" dirty="0"/>
-              <a:t>output gives confidence intervals for the difference between all pairs of means within each level of a factor</a:t>
-            </a:r>
-          </a:p>
-          <a:p>
-            <a:r>
-              <a:rPr lang="en-US" sz="1900" dirty="0"/>
-              <a:t>separate table for each factor (each has pairwise comparisons within levels of a factor)</a:t>
-            </a:r>
-          </a:p>
-        </p:txBody>
-      </p:sp>
-      <p:pic>
-        <p:nvPicPr>
-          <p:cNvPr id="5" name="Picture 4" descr="Table&#10;&#10;Description automatically generated">
-            <a:extLst>
-              <a:ext uri="{FF2B5EF4-FFF2-40B4-BE49-F238E27FC236}">
-                <a16:creationId xmlns:a16="http://schemas.microsoft.com/office/drawing/2014/main" id="{249715AF-FE58-C742-8D0A-FA453F39B327}"/>
-              </a:ext>
-            </a:extLst>
-          </p:cNvPr>
-          <p:cNvPicPr>
-            <a:picLocks noChangeAspect="1"/>
-          </p:cNvPicPr>
-          <p:nvPr/>
-        </p:nvPicPr>
-        <p:blipFill>
-          <a:blip r:embed="rId2"/>
-          <a:stretch>
-            <a:fillRect/>
-          </a:stretch>
-        </p:blipFill>
-        <p:spPr>
-          <a:xfrm>
-            <a:off x="4157472" y="2494777"/>
-            <a:ext cx="7458792" cy="2897378"/>
-          </a:xfrm>
-          <a:prstGeom prst="rect">
-            <a:avLst/>
-          </a:prstGeom>
-        </p:spPr>
-      </p:pic>
-    </p:spTree>
-    <p:extLst>
-      <p:ext uri="{BB962C8B-B14F-4D97-AF65-F5344CB8AC3E}">
-        <p14:creationId xmlns:p14="http://schemas.microsoft.com/office/powerpoint/2010/main" val="4288713707"/>
-      </p:ext>
-    </p:extLst>
-  </p:cSld>
-  <p:clrMapOvr>
-    <a:masterClrMapping/>
-  </p:clrMapOvr>
-</p:sld>
-</file>
-
-<file path=ppt/slides/slide11.xml><?xml version="1.0" encoding="utf-8"?>
-<p:sld xmlns:a="http://schemas.openxmlformats.org/drawingml/2006/main" xmlns:r="http://schemas.openxmlformats.org/officeDocument/2006/relationships" xmlns:p="http://schemas.openxmlformats.org/presentationml/2006/main">
-  <p:cSld>
-    <p:spTree>
-      <p:nvGrpSpPr>
-        <p:cNvPr id="1" name=""/>
-        <p:cNvGrpSpPr/>
-        <p:nvPr/>
-      </p:nvGrpSpPr>
-      <p:grpSpPr>
-        <a:xfrm>
-          <a:off x="0" y="0"/>
-          <a:ext cx="0" cy="0"/>
-          <a:chOff x="0" y="0"/>
-          <a:chExt cx="0" cy="0"/>
-        </a:xfrm>
-      </p:grpSpPr>
-      <p:sp>
-        <p:nvSpPr>
-          <p:cNvPr id="2" name="Title 1">
-            <a:extLst>
-              <a:ext uri="{FF2B5EF4-FFF2-40B4-BE49-F238E27FC236}">
                 <a16:creationId xmlns:a16="http://schemas.microsoft.com/office/drawing/2014/main" id="{63E5DA8B-00FE-B847-B9C1-C5E05BA57B68}"/>
               </a:ext>
             </a:extLst>
@@ -3787,95 +3645,6 @@
           <p:cNvPr id="2" name="Title 1">
             <a:extLst>
               <a:ext uri="{FF2B5EF4-FFF2-40B4-BE49-F238E27FC236}">
-                <a16:creationId xmlns:a16="http://schemas.microsoft.com/office/drawing/2014/main" id="{9B776254-1F3C-96B1-01D6-AC3111106A65}"/>
-              </a:ext>
-            </a:extLst>
-          </p:cNvPr>
-          <p:cNvSpPr>
-            <a:spLocks noGrp="1"/>
-          </p:cNvSpPr>
-          <p:nvPr>
-            <p:ph type="title"/>
-          </p:nvPr>
-        </p:nvSpPr>
-        <p:spPr/>
-        <p:txBody>
-          <a:bodyPr/>
-          <a:lstStyle/>
-          <a:p>
-            <a:r>
-              <a:rPr lang="en-US" dirty="0"/>
-              <a:t>Reminders</a:t>
-            </a:r>
-          </a:p>
-        </p:txBody>
-      </p:sp>
-      <p:sp>
-        <p:nvSpPr>
-          <p:cNvPr id="3" name="Content Placeholder 2">
-            <a:extLst>
-              <a:ext uri="{FF2B5EF4-FFF2-40B4-BE49-F238E27FC236}">
-                <a16:creationId xmlns:a16="http://schemas.microsoft.com/office/drawing/2014/main" id="{DEA9CF01-3601-2C13-9805-474FC677A1C8}"/>
-              </a:ext>
-            </a:extLst>
-          </p:cNvPr>
-          <p:cNvSpPr>
-            <a:spLocks noGrp="1"/>
-          </p:cNvSpPr>
-          <p:nvPr>
-            <p:ph idx="1"/>
-          </p:nvPr>
-        </p:nvSpPr>
-        <p:spPr/>
-        <p:txBody>
-          <a:bodyPr/>
-          <a:lstStyle/>
-          <a:p>
-            <a:r>
-              <a:rPr lang="en-US" dirty="0"/>
-              <a:t>class is on Tuesday next week</a:t>
-            </a:r>
-          </a:p>
-          <a:p>
-            <a:endParaRPr lang="en-US" dirty="0"/>
-          </a:p>
-        </p:txBody>
-      </p:sp>
-    </p:spTree>
-    <p:extLst>
-      <p:ext uri="{BB962C8B-B14F-4D97-AF65-F5344CB8AC3E}">
-        <p14:creationId xmlns:p14="http://schemas.microsoft.com/office/powerpoint/2010/main" val="3787453803"/>
-      </p:ext>
-    </p:extLst>
-  </p:cSld>
-  <p:clrMapOvr>
-    <a:masterClrMapping/>
-  </p:clrMapOvr>
-</p:sld>
-</file>
-
-<file path=ppt/slides/slide3.xml><?xml version="1.0" encoding="utf-8"?>
-<p:sld xmlns:a="http://schemas.openxmlformats.org/drawingml/2006/main" xmlns:r="http://schemas.openxmlformats.org/officeDocument/2006/relationships" xmlns:p="http://schemas.openxmlformats.org/presentationml/2006/main">
-  <p:cSld>
-    <p:spTree>
-      <p:nvGrpSpPr>
-        <p:cNvPr id="1" name=""/>
-        <p:cNvGrpSpPr/>
-        <p:nvPr/>
-      </p:nvGrpSpPr>
-      <p:grpSpPr>
-        <a:xfrm>
-          <a:off x="0" y="0"/>
-          <a:ext cx="0" cy="0"/>
-          <a:chOff x="0" y="0"/>
-          <a:chExt cx="0" cy="0"/>
-        </a:xfrm>
-      </p:grpSpPr>
-      <p:sp>
-        <p:nvSpPr>
-          <p:cNvPr id="2" name="Title 1">
-            <a:extLst>
-              <a:ext uri="{FF2B5EF4-FFF2-40B4-BE49-F238E27FC236}">
                 <a16:creationId xmlns:a16="http://schemas.microsoft.com/office/drawing/2014/main" id="{49144215-708D-0743-BCDE-94E5F0FF5694}"/>
               </a:ext>
             </a:extLst>
@@ -4056,7 +3825,7 @@
 </p:sld>
 </file>
 
-<file path=ppt/slides/slide4.xml><?xml version="1.0" encoding="utf-8"?>
+<file path=ppt/slides/slide3.xml><?xml version="1.0" encoding="utf-8"?>
 <p:sld xmlns:a="http://schemas.openxmlformats.org/drawingml/2006/main" xmlns:r="http://schemas.openxmlformats.org/officeDocument/2006/relationships" xmlns:p="http://schemas.openxmlformats.org/presentationml/2006/main">
   <p:cSld>
     <p:spTree>
@@ -4240,7 +4009,7 @@
 </p:sld>
 </file>
 
-<file path=ppt/slides/slide5.xml><?xml version="1.0" encoding="utf-8"?>
+<file path=ppt/slides/slide4.xml><?xml version="1.0" encoding="utf-8"?>
 <p:sld xmlns:a="http://schemas.openxmlformats.org/drawingml/2006/main" xmlns:r="http://schemas.openxmlformats.org/officeDocument/2006/relationships" xmlns:p="http://schemas.openxmlformats.org/presentationml/2006/main">
   <p:cSld>
     <p:bg>
@@ -4730,7 +4499,7 @@
 </p:sld>
 </file>
 
-<file path=ppt/slides/slide6.xml><?xml version="1.0" encoding="utf-8"?>
+<file path=ppt/slides/slide5.xml><?xml version="1.0" encoding="utf-8"?>
 <p:sld xmlns:a="http://schemas.openxmlformats.org/drawingml/2006/main" xmlns:r="http://schemas.openxmlformats.org/officeDocument/2006/relationships" xmlns:p="http://schemas.openxmlformats.org/presentationml/2006/main">
   <p:cSld>
     <p:spTree>
@@ -4901,7 +4670,7 @@
 </p:sld>
 </file>
 
-<file path=ppt/slides/slide7.xml><?xml version="1.0" encoding="utf-8"?>
+<file path=ppt/slides/slide6.xml><?xml version="1.0" encoding="utf-8"?>
 <p:sld xmlns:a="http://schemas.openxmlformats.org/drawingml/2006/main" xmlns:r="http://schemas.openxmlformats.org/officeDocument/2006/relationships" xmlns:p="http://schemas.openxmlformats.org/presentationml/2006/main">
   <p:cSld>
     <p:spTree>
@@ -5062,7 +4831,7 @@
 </p:sld>
 </file>
 
-<file path=ppt/slides/slide8.xml><?xml version="1.0" encoding="utf-8"?>
+<file path=ppt/slides/slide7.xml><?xml version="1.0" encoding="utf-8"?>
 <p:sld xmlns:a="http://schemas.openxmlformats.org/drawingml/2006/main" xmlns:r="http://schemas.openxmlformats.org/officeDocument/2006/relationships" xmlns:p="http://schemas.openxmlformats.org/presentationml/2006/main">
   <p:cSld>
     <p:bg>
@@ -5629,7 +5398,7 @@
 </p:sld>
 </file>
 
-<file path=ppt/slides/slide9.xml><?xml version="1.0" encoding="utf-8"?>
+<file path=ppt/slides/slide8.xml><?xml version="1.0" encoding="utf-8"?>
 <p:sld xmlns:a="http://schemas.openxmlformats.org/drawingml/2006/main" xmlns:r="http://schemas.openxmlformats.org/officeDocument/2006/relationships" xmlns:p="http://schemas.openxmlformats.org/presentationml/2006/main">
   <p:cSld>
     <p:spTree>
@@ -5760,6 +5529,152 @@
     <p:extLst>
       <p:ext uri="{BB962C8B-B14F-4D97-AF65-F5344CB8AC3E}">
         <p14:creationId xmlns:p14="http://schemas.microsoft.com/office/powerpoint/2010/main" val="2662553488"/>
+      </p:ext>
+    </p:extLst>
+  </p:cSld>
+  <p:clrMapOvr>
+    <a:masterClrMapping/>
+  </p:clrMapOvr>
+</p:sld>
+</file>
+
+<file path=ppt/slides/slide9.xml><?xml version="1.0" encoding="utf-8"?>
+<p:sld xmlns:a="http://schemas.openxmlformats.org/drawingml/2006/main" xmlns:r="http://schemas.openxmlformats.org/officeDocument/2006/relationships" xmlns:p="http://schemas.openxmlformats.org/presentationml/2006/main">
+  <p:cSld>
+    <p:spTree>
+      <p:nvGrpSpPr>
+        <p:cNvPr id="1" name=""/>
+        <p:cNvGrpSpPr/>
+        <p:nvPr/>
+      </p:nvGrpSpPr>
+      <p:grpSpPr>
+        <a:xfrm>
+          <a:off x="0" y="0"/>
+          <a:ext cx="0" cy="0"/>
+          <a:chOff x="0" y="0"/>
+          <a:chExt cx="0" cy="0"/>
+        </a:xfrm>
+      </p:grpSpPr>
+      <p:sp>
+        <p:nvSpPr>
+          <p:cNvPr id="2" name="Title 1">
+            <a:extLst>
+              <a:ext uri="{FF2B5EF4-FFF2-40B4-BE49-F238E27FC236}">
+                <a16:creationId xmlns:a16="http://schemas.microsoft.com/office/drawing/2014/main" id="{0D4594BE-9849-3D49-A711-67341AA67DD7}"/>
+              </a:ext>
+            </a:extLst>
+          </p:cNvPr>
+          <p:cNvSpPr>
+            <a:spLocks noGrp="1"/>
+          </p:cNvSpPr>
+          <p:nvPr>
+            <p:ph type="title"/>
+          </p:nvPr>
+        </p:nvSpPr>
+        <p:spPr>
+          <a:xfrm>
+            <a:off x="643467" y="321734"/>
+            <a:ext cx="10905066" cy="1135737"/>
+          </a:xfrm>
+        </p:spPr>
+        <p:txBody>
+          <a:bodyPr vert="horz" lIns="91440" tIns="45720" rIns="91440" bIns="45720" rtlCol="0">
+            <a:normAutofit/>
+          </a:bodyPr>
+          <a:lstStyle/>
+          <a:p>
+            <a:r>
+              <a:rPr lang="en-US" sz="3600" kern="1200" dirty="0">
+                <a:latin typeface="+mj-lt"/>
+                <a:ea typeface="+mj-ea"/>
+                <a:cs typeface="+mj-cs"/>
+              </a:rPr>
+              <a:t>Univariate GLM in SPSS – EM means &amp; simple effects</a:t>
+            </a:r>
+          </a:p>
+        </p:txBody>
+      </p:sp>
+      <p:sp>
+        <p:nvSpPr>
+          <p:cNvPr id="17" name="Content Placeholder 16">
+            <a:extLst>
+              <a:ext uri="{FF2B5EF4-FFF2-40B4-BE49-F238E27FC236}">
+                <a16:creationId xmlns:a16="http://schemas.microsoft.com/office/drawing/2014/main" id="{A8193FEB-E814-4257-9F20-DA4770A84FDB}"/>
+              </a:ext>
+            </a:extLst>
+          </p:cNvPr>
+          <p:cNvSpPr>
+            <a:spLocks noGrp="1"/>
+          </p:cNvSpPr>
+          <p:nvPr>
+            <p:ph idx="1"/>
+          </p:nvPr>
+        </p:nvSpPr>
+        <p:spPr>
+          <a:xfrm>
+            <a:off x="643469" y="1782981"/>
+            <a:ext cx="3285064" cy="4393982"/>
+          </a:xfrm>
+        </p:spPr>
+        <p:txBody>
+          <a:bodyPr>
+            <a:normAutofit/>
+          </a:bodyPr>
+          <a:lstStyle/>
+          <a:p>
+            <a:r>
+              <a:rPr lang="en-US" sz="1900" dirty="0"/>
+              <a:t>use the “EM Means” button to get estimated marginal means (w conf intervals)</a:t>
+            </a:r>
+          </a:p>
+          <a:p>
+            <a:r>
+              <a:rPr lang="en-US" sz="1900" dirty="0"/>
+              <a:t>output gives confidence intervals for the difference between all pairs of means within each level of a factor</a:t>
+            </a:r>
+          </a:p>
+          <a:p>
+            <a:r>
+              <a:rPr lang="en-US" sz="1900" dirty="0"/>
+              <a:t>separate table for each factor (each has pairwise comparisons within levels of a factor)</a:t>
+            </a:r>
+          </a:p>
+        </p:txBody>
+      </p:sp>
+      <p:pic>
+        <p:nvPicPr>
+          <p:cNvPr id="5" name="Picture 4" descr="Table&#10;&#10;Description automatically generated">
+            <a:extLst>
+              <a:ext uri="{FF2B5EF4-FFF2-40B4-BE49-F238E27FC236}">
+                <a16:creationId xmlns:a16="http://schemas.microsoft.com/office/drawing/2014/main" id="{249715AF-FE58-C742-8D0A-FA453F39B327}"/>
+              </a:ext>
+            </a:extLst>
+          </p:cNvPr>
+          <p:cNvPicPr>
+            <a:picLocks noChangeAspect="1"/>
+          </p:cNvPicPr>
+          <p:nvPr/>
+        </p:nvPicPr>
+        <p:blipFill>
+          <a:blip r:embed="rId2"/>
+          <a:stretch>
+            <a:fillRect/>
+          </a:stretch>
+        </p:blipFill>
+        <p:spPr>
+          <a:xfrm>
+            <a:off x="4157472" y="2494777"/>
+            <a:ext cx="7458792" cy="2897378"/>
+          </a:xfrm>
+          <a:prstGeom prst="rect">
+            <a:avLst/>
+          </a:prstGeom>
+        </p:spPr>
+      </p:pic>
+    </p:spTree>
+    <p:extLst>
+      <p:ext uri="{BB962C8B-B14F-4D97-AF65-F5344CB8AC3E}">
+        <p14:creationId xmlns:p14="http://schemas.microsoft.com/office/powerpoint/2010/main" val="4288713707"/>
       </p:ext>
     </p:extLst>
   </p:cSld>
